--- a/Presentation.pptx
+++ b/Presentation.pptx
@@ -111,10 +111,6 @@
     </a:lvl9pPr>
   </p:defaultTextStyle>
 </p:presentation>
-</file>
-
-<file path=ppt/revisionInfo.xml><?xml version="1.0" encoding="utf-8"?>
-<p1510:revInfo xmlns:a="http://schemas.openxmlformats.org/drawingml/2006/main" xmlns:r="http://schemas.openxmlformats.org/officeDocument/2006/relationships" xmlns:p1510="http://schemas.microsoft.com/office/powerpoint/2015/10/main"/>
 </file>
 
 <file path=ppt/slideLayouts/slideLayout1.xml><?xml version="1.0" encoding="utf-8"?>
@@ -3760,44 +3756,50 @@
         </p:nvSpPr>
         <p:spPr>
           <a:xfrm>
-            <a:off x="1864311" y="4276741"/>
-            <a:ext cx="9558291" cy="1655762"/>
-          </a:xfrm>
-        </p:spPr>
-        <p:txBody>
-          <a:bodyPr/>
+            <a:off x="266331" y="4276741"/>
+            <a:ext cx="11156272" cy="1655762"/>
+          </a:xfrm>
+        </p:spPr>
+        <p:txBody>
+          <a:bodyPr>
+            <a:normAutofit/>
+          </a:bodyPr>
           <a:lstStyle/>
           <a:p>
             <a:pPr algn="l"/>
             <a:r>
-              <a:rPr lang="el-GR" dirty="0"/>
+              <a:rPr lang="el-GR" sz="2400" dirty="0"/>
               <a:t>ΚΩΝΣΤΑΝΤΙΝΟΣ ΔΗΜΗΤΡΙΟΥ(ΦΟΙΤΗΤΗΣ </a:t>
             </a:r>
             <a:r>
-              <a:rPr lang="en-GB" dirty="0"/>
+              <a:rPr lang="en-GB" sz="2400" dirty="0"/>
               <a:t>BUSINESS COMPUTING</a:t>
             </a:r>
             <a:r>
-              <a:rPr lang="el-GR" dirty="0"/>
+              <a:rPr lang="el-GR" sz="2400" dirty="0"/>
               <a:t>)</a:t>
             </a:r>
-            <a:endParaRPr lang="en-GB" dirty="0"/>
+            <a:endParaRPr lang="en-GB" sz="2400" dirty="0"/>
           </a:p>
           <a:p>
             <a:pPr algn="l"/>
             <a:r>
-              <a:rPr lang="el-GR" dirty="0"/>
+              <a:rPr lang="el-GR" sz="2400" dirty="0"/>
               <a:t>ΝΕΟΚΛΗΣ ΓΡΗΓΟΡΙΟΥ(ΦΟΙΤΗΤΗΣ </a:t>
             </a:r>
             <a:r>
-              <a:rPr lang="en-GB" dirty="0"/>
-              <a:t>COMPUTING FORENCING AND SECURITY</a:t>
-            </a:r>
-            <a:r>
-              <a:rPr lang="el-GR" dirty="0"/>
+              <a:rPr lang="en-GB" sz="2400"/>
+              <a:t>COMPUTING FORENSIC </a:t>
+            </a:r>
+            <a:r>
+              <a:rPr lang="en-GB" sz="2400" dirty="0"/>
+              <a:t>AND SECURITY</a:t>
+            </a:r>
+            <a:r>
+              <a:rPr lang="el-GR" sz="2400" dirty="0"/>
               <a:t>)</a:t>
             </a:r>
-            <a:endParaRPr lang="en-GB" dirty="0"/>
+            <a:endParaRPr lang="en-GB" sz="2400" dirty="0"/>
           </a:p>
         </p:txBody>
       </p:sp>
@@ -3891,15 +3893,15 @@
         </p:spPr>
         <p:txBody>
           <a:bodyPr>
-            <a:normAutofit fontScale="90000"/>
+            <a:noAutofit/>
           </a:bodyPr>
           <a:lstStyle/>
           <a:p>
             <a:r>
-              <a:rPr lang="el-GR" dirty="0"/>
+              <a:rPr lang="el-GR" b="1" dirty="0"/>
               <a:t>ΠΕΡΙΕΧΟΜΕΝΟ</a:t>
             </a:r>
-            <a:endParaRPr lang="en-GB" dirty="0"/>
+            <a:endParaRPr lang="en-GB" b="1" dirty="0"/>
           </a:p>
         </p:txBody>
       </p:sp>
@@ -3926,43 +3928,45 @@
           </a:xfrm>
         </p:spPr>
         <p:txBody>
-          <a:bodyPr/>
-          <a:lstStyle/>
-          <a:p>
-            <a:r>
-              <a:rPr lang="el-GR" dirty="0"/>
+          <a:bodyPr>
+            <a:normAutofit/>
+          </a:bodyPr>
+          <a:lstStyle/>
+          <a:p>
+            <a:r>
+              <a:rPr lang="el-GR" sz="2400" b="1" dirty="0"/>
               <a:t>ΘΕΜΑ ΤΗΣ ΕΦΑΡΜΟΦΗΣ</a:t>
             </a:r>
           </a:p>
           <a:p>
             <a:r>
-              <a:rPr lang="el-GR" dirty="0"/>
+              <a:rPr lang="el-GR" sz="2400" b="1" dirty="0"/>
               <a:t>ΓΙΑΤΙ ΕΠΙΛΕΞΑΜΕ ΤΟΝ ΤΟΜΕΑ ΤΗΣ ΥΓΕΙΑΣ;</a:t>
             </a:r>
           </a:p>
           <a:p>
             <a:r>
-              <a:rPr lang="el-GR" dirty="0"/>
+              <a:rPr lang="el-GR" sz="2400" b="1" dirty="0"/>
               <a:t>ΣΚΟΠΟΣ ΤΗΣ ΙΔΕΑΣ ΜΑΣ</a:t>
             </a:r>
           </a:p>
           <a:p>
             <a:r>
-              <a:rPr lang="el-GR" dirty="0"/>
+              <a:rPr lang="el-GR" sz="2400" b="1" dirty="0"/>
               <a:t>ΛΕΙΤΟΥΡΓΙΑ ΤΗΣ ΕΦΑΡΜΟΓΗΣ</a:t>
             </a:r>
           </a:p>
           <a:p>
             <a:r>
-              <a:rPr lang="el-GR" dirty="0"/>
+              <a:rPr lang="el-GR" sz="2400" b="1" dirty="0"/>
               <a:t>ΓΙΑΤΙ Ο ΧΡΗΣΤΗΣ ΝΑ ΕΠΙΛΕΞΕΙ ΤΗΝ ΕΦΑΡΜΟΓΗ ΜΑΣ;</a:t>
             </a:r>
           </a:p>
           <a:p>
-            <a:endParaRPr lang="el-GR" dirty="0"/>
-          </a:p>
-          <a:p>
-            <a:endParaRPr lang="en-GB" dirty="0"/>
+            <a:endParaRPr lang="el-GR" sz="2400" b="1" dirty="0"/>
+          </a:p>
+          <a:p>
+            <a:endParaRPr lang="en-GB" sz="2400" b="1" dirty="0"/>
           </a:p>
         </p:txBody>
       </p:sp>
@@ -4018,13 +4022,13 @@
           <a:lstStyle/>
           <a:p>
             <a:r>
-              <a:rPr lang="el-GR" dirty="0"/>
+              <a:rPr lang="el-GR" b="1" dirty="0"/>
               <a:t>ΘΕΜΑ ΤΗΣ ΕΦΑΡΜΟΦΗΣ</a:t>
             </a:r>
             <a:br>
-              <a:rPr lang="el-GR" dirty="0"/>
+              <a:rPr lang="el-GR" b="1" dirty="0"/>
             </a:br>
-            <a:endParaRPr lang="en-GB" dirty="0"/>
+            <a:endParaRPr lang="en-GB" b="1" dirty="0"/>
           </a:p>
         </p:txBody>
       </p:sp>
@@ -4046,39 +4050,41 @@
         </p:nvSpPr>
         <p:spPr/>
         <p:txBody>
-          <a:bodyPr/>
-          <a:lstStyle/>
-          <a:p>
-            <a:r>
-              <a:rPr lang="el-GR" dirty="0"/>
+          <a:bodyPr>
+            <a:normAutofit/>
+          </a:bodyPr>
+          <a:lstStyle/>
+          <a:p>
+            <a:r>
+              <a:rPr lang="el-GR" sz="2400" b="1" dirty="0"/>
               <a:t>Φιλική προς τον χρήστη εφαρμογή </a:t>
             </a:r>
             <a:r>
-              <a:rPr lang="en-GB" dirty="0"/>
+              <a:rPr lang="en-GB" sz="2400" b="1" dirty="0"/>
               <a:t>Android</a:t>
             </a:r>
           </a:p>
           <a:p>
             <a:r>
-              <a:rPr lang="el-GR" dirty="0"/>
+              <a:rPr lang="el-GR" sz="2400" b="1" dirty="0"/>
               <a:t>Στον τομέα ασφάλισης υγείας </a:t>
             </a:r>
           </a:p>
           <a:p>
             <a:r>
-              <a:rPr lang="en-GB" dirty="0"/>
+              <a:rPr lang="en-GB" sz="2400" b="1" dirty="0"/>
               <a:t>Business Process Automation(BPA)</a:t>
             </a:r>
-            <a:endParaRPr lang="el-GR" dirty="0"/>
-          </a:p>
-          <a:p>
-            <a:endParaRPr lang="en-GB" dirty="0"/>
-          </a:p>
-          <a:p>
-            <a:endParaRPr lang="el-GR" dirty="0"/>
-          </a:p>
-          <a:p>
-            <a:endParaRPr lang="en-GB" dirty="0"/>
+            <a:endParaRPr lang="el-GR" sz="2400" b="1" dirty="0"/>
+          </a:p>
+          <a:p>
+            <a:endParaRPr lang="en-GB" sz="2400" b="1" dirty="0"/>
+          </a:p>
+          <a:p>
+            <a:endParaRPr lang="el-GR" sz="2400" b="1" dirty="0"/>
+          </a:p>
+          <a:p>
+            <a:endParaRPr lang="en-GB" sz="2400" b="1" dirty="0"/>
           </a:p>
         </p:txBody>
       </p:sp>
@@ -4134,13 +4140,13 @@
           <a:lstStyle/>
           <a:p>
             <a:r>
-              <a:rPr lang="el-GR" dirty="0"/>
+              <a:rPr lang="el-GR" b="1" dirty="0"/>
               <a:t>ΓΙΑΤΙ ΕΠΙΛΕΞΑΜΕ ΤΟΝ ΤΟΜΕΑ ΤΗΣ ΥΓΕΙΑΣ;</a:t>
             </a:r>
             <a:br>
-              <a:rPr lang="el-GR" dirty="0"/>
+              <a:rPr lang="el-GR" b="1" dirty="0"/>
             </a:br>
-            <a:endParaRPr lang="en-GB" dirty="0"/>
+            <a:endParaRPr lang="en-GB" b="1" dirty="0"/>
           </a:p>
         </p:txBody>
       </p:sp>
@@ -4162,27 +4168,29 @@
         </p:nvSpPr>
         <p:spPr/>
         <p:txBody>
-          <a:bodyPr/>
-          <a:lstStyle/>
-          <a:p>
-            <a:r>
-              <a:rPr lang="el-GR" dirty="0"/>
+          <a:bodyPr>
+            <a:normAutofit/>
+          </a:bodyPr>
+          <a:lstStyle/>
+          <a:p>
+            <a:r>
+              <a:rPr lang="el-GR" sz="2400" b="1" dirty="0"/>
               <a:t>Εξέλιξη στον τρόπο αφάλισης υγείας</a:t>
             </a:r>
-            <a:endParaRPr lang="en-GB" dirty="0"/>
-          </a:p>
-          <a:p>
-            <a:r>
-              <a:rPr lang="el-GR" dirty="0"/>
+            <a:endParaRPr lang="en-GB" sz="2400" b="1" dirty="0"/>
+          </a:p>
+          <a:p>
+            <a:r>
+              <a:rPr lang="el-GR" sz="2400" b="1" dirty="0"/>
               <a:t>Από 1/1/2019 θα τεθεί σε ισχύει το ΓΕ.Σ.Υ.</a:t>
             </a:r>
           </a:p>
           <a:p>
             <a:r>
-              <a:rPr lang="el-GR" dirty="0"/>
+              <a:rPr lang="el-GR" sz="2400" b="1" dirty="0"/>
               <a:t>Ένας στους τέσσερις έχουν ασφάλεια υγείας στην Κύπρο </a:t>
             </a:r>
-            <a:endParaRPr lang="en-GB" dirty="0"/>
+            <a:endParaRPr lang="en-GB" sz="2400" b="1" dirty="0"/>
           </a:p>
         </p:txBody>
       </p:sp>
@@ -4238,13 +4246,13 @@
           <a:lstStyle/>
           <a:p>
             <a:r>
-              <a:rPr lang="el-GR" dirty="0"/>
+              <a:rPr lang="el-GR" b="1" dirty="0"/>
               <a:t>ΣΚΟΠΟΣ ΤΗΣ ΙΔΕΑΣ ΜΑΣ</a:t>
             </a:r>
             <a:br>
-              <a:rPr lang="el-GR" dirty="0"/>
+              <a:rPr lang="el-GR" b="1" dirty="0"/>
             </a:br>
-            <a:endParaRPr lang="en-GB" dirty="0"/>
+            <a:endParaRPr lang="en-GB" b="1" dirty="0"/>
           </a:p>
         </p:txBody>
       </p:sp>
@@ -4270,24 +4278,24 @@
           <a:lstStyle/>
           <a:p>
             <a:r>
-              <a:rPr lang="el-GR" dirty="0"/>
+              <a:rPr lang="el-GR" b="1" dirty="0"/>
               <a:t>Προσέλκιση νέων πελατών στον τομέα</a:t>
             </a:r>
           </a:p>
           <a:p>
             <a:r>
-              <a:rPr lang="el-GR" dirty="0"/>
+              <a:rPr lang="el-GR" b="1" dirty="0"/>
               <a:t>Κίνητρο στους χρήστες για καλύτερο τρόπο ζωής</a:t>
             </a:r>
           </a:p>
           <a:p>
             <a:r>
-              <a:rPr lang="el-GR" dirty="0"/>
+              <a:rPr lang="el-GR" b="1" dirty="0"/>
               <a:t>Νέος καινοτόμος τρόπος ασφάλισης</a:t>
             </a:r>
           </a:p>
           <a:p>
-            <a:endParaRPr lang="en-GB" dirty="0"/>
+            <a:endParaRPr lang="en-GB" b="1" dirty="0"/>
           </a:p>
         </p:txBody>
       </p:sp>
@@ -4337,21 +4345,26 @@
             <p:ph type="title"/>
           </p:nvPr>
         </p:nvSpPr>
-        <p:spPr/>
+        <p:spPr>
+          <a:xfrm>
+            <a:off x="461640" y="953324"/>
+            <a:ext cx="10271906" cy="1049235"/>
+          </a:xfrm>
+        </p:spPr>
         <p:txBody>
           <a:bodyPr>
-            <a:normAutofit fontScale="90000"/>
+            <a:noAutofit/>
           </a:bodyPr>
           <a:lstStyle/>
           <a:p>
             <a:r>
-              <a:rPr lang="el-GR" dirty="0"/>
+              <a:rPr lang="el-GR" b="1" dirty="0"/>
               <a:t>ΓΙΑΤΙ Ο ΧΡΗΣΤΗΣ ΝΑ ΕΠΙΛΕΞΕΙ ΤΗΝ ΕΦΑΡΜΟΓΗ ΜΑΣ;</a:t>
             </a:r>
             <a:br>
-              <a:rPr lang="el-GR" dirty="0"/>
+              <a:rPr lang="el-GR" b="1" dirty="0"/>
             </a:br>
-            <a:endParaRPr lang="en-GB" dirty="0"/>
+            <a:endParaRPr lang="en-GB" b="1" dirty="0"/>
           </a:p>
         </p:txBody>
       </p:sp>
@@ -4373,28 +4386,30 @@
         </p:nvSpPr>
         <p:spPr/>
         <p:txBody>
-          <a:bodyPr/>
-          <a:lstStyle/>
-          <a:p>
-            <a:r>
-              <a:rPr lang="el-GR" dirty="0"/>
+          <a:bodyPr>
+            <a:normAutofit/>
+          </a:bodyPr>
+          <a:lstStyle/>
+          <a:p>
+            <a:r>
+              <a:rPr lang="el-GR" sz="2400" b="1" dirty="0"/>
               <a:t>Ο χρήστης θα έχε εκπτώσεις από συγκεκριμένα καταστηματα</a:t>
             </a:r>
           </a:p>
           <a:p>
             <a:r>
-              <a:rPr lang="el-GR" dirty="0"/>
+              <a:rPr lang="el-GR" sz="2400" b="1" dirty="0"/>
               <a:t>Μείωση 5% αφού ξεπεράσει τα </a:t>
             </a:r>
             <a:r>
-              <a:rPr lang="en-GB" dirty="0"/>
+              <a:rPr lang="en-GB" sz="2400" b="1" dirty="0"/>
               <a:t>Standards </a:t>
             </a:r>
             <a:r>
-              <a:rPr lang="el-GR" dirty="0"/>
+              <a:rPr lang="el-GR" sz="2400" b="1" dirty="0"/>
               <a:t>της εταιρίας </a:t>
             </a:r>
-            <a:endParaRPr lang="en-GB" dirty="0"/>
+            <a:endParaRPr lang="en-GB" sz="2400" b="1" dirty="0"/>
           </a:p>
         </p:txBody>
       </p:sp>
@@ -4446,7 +4461,7 @@
         </p:nvSpPr>
         <p:spPr>
           <a:xfrm>
-            <a:off x="917206" y="2364229"/>
+            <a:off x="943839" y="2470762"/>
             <a:ext cx="9603275" cy="1133573"/>
           </a:xfrm>
         </p:spPr>
@@ -4458,10 +4473,10 @@
           <a:p>
             <a:pPr algn="ctr"/>
             <a:r>
-              <a:rPr lang="el-GR" sz="4400" dirty="0"/>
+              <a:rPr lang="el-GR" sz="4400" b="1" dirty="0"/>
               <a:t>ΕΥΧΑΡΙΣΤΟΥΜΕ!</a:t>
             </a:r>
-            <a:endParaRPr lang="en-GB" sz="4400" dirty="0"/>
+            <a:endParaRPr lang="en-GB" sz="4400" b="1" dirty="0"/>
           </a:p>
         </p:txBody>
       </p:sp>
